--- a/Late-term_concepts/Scale_Separation_EddyFluxes.pptx
+++ b/Late-term_concepts/Scale_Separation_EddyFluxes.pptx
@@ -6,11 +6,14 @@
   </p:sldMasterIdLst>
   <p:sldIdLst>
     <p:sldId id="256" r:id="rId2"/>
-    <p:sldId id="257" r:id="rId3"/>
-    <p:sldId id="259" r:id="rId4"/>
-    <p:sldId id="258" r:id="rId5"/>
-    <p:sldId id="260" r:id="rId6"/>
-    <p:sldId id="261" r:id="rId7"/>
+    <p:sldId id="265" r:id="rId3"/>
+    <p:sldId id="257" r:id="rId4"/>
+    <p:sldId id="259" r:id="rId5"/>
+    <p:sldId id="258" r:id="rId6"/>
+    <p:sldId id="260" r:id="rId7"/>
+    <p:sldId id="261" r:id="rId8"/>
+    <p:sldId id="262" r:id="rId9"/>
+    <p:sldId id="264" r:id="rId10"/>
   </p:sldIdLst>
   <p:sldSz cx="12192000" cy="6858000"/>
   <p:notesSz cx="6858000" cy="9144000"/>
@@ -3435,6 +3438,340 @@
           <p:cNvPr id="2" name="Title 1">
             <a:extLst>
               <a:ext uri="{FF2B5EF4-FFF2-40B4-BE49-F238E27FC236}">
+                <a16:creationId xmlns:a16="http://schemas.microsoft.com/office/drawing/2014/main" id="{5B3258BF-486B-17C6-5AAB-F539A8B8AC1D}"/>
+              </a:ext>
+            </a:extLst>
+          </p:cNvPr>
+          <p:cNvSpPr>
+            <a:spLocks noGrp="1"/>
+          </p:cNvSpPr>
+          <p:nvPr>
+            <p:ph type="title"/>
+          </p:nvPr>
+        </p:nvSpPr>
+        <p:spPr/>
+        <p:txBody>
+          <a:bodyPr/>
+          <a:lstStyle/>
+          <a:p>
+            <a:r>
+              <a:rPr lang="en-US"/>
+              <a:t>FLUX</a:t>
+            </a:r>
+          </a:p>
+        </p:txBody>
+      </p:sp>
+      <p:pic>
+        <p:nvPicPr>
+          <p:cNvPr id="4" name="Picture 3">
+            <a:extLst>
+              <a:ext uri="{FF2B5EF4-FFF2-40B4-BE49-F238E27FC236}">
+                <a16:creationId xmlns:a16="http://schemas.microsoft.com/office/drawing/2014/main" id="{ADFD6F36-BF93-9573-9BBE-0413A052A808}"/>
+              </a:ext>
+            </a:extLst>
+          </p:cNvPr>
+          <p:cNvPicPr>
+            <a:picLocks noChangeAspect="1"/>
+          </p:cNvPicPr>
+          <p:nvPr/>
+        </p:nvPicPr>
+        <p:blipFill>
+          <a:blip r:embed="rId2"/>
+          <a:stretch>
+            <a:fillRect/>
+          </a:stretch>
+        </p:blipFill>
+        <p:spPr>
+          <a:xfrm>
+            <a:off x="3158836" y="-7059"/>
+            <a:ext cx="8810348" cy="6865059"/>
+          </a:xfrm>
+          <a:prstGeom prst="rect">
+            <a:avLst/>
+          </a:prstGeom>
+        </p:spPr>
+      </p:pic>
+      <p:sp>
+        <p:nvSpPr>
+          <p:cNvPr id="7" name="Content Placeholder 2">
+            <a:extLst>
+              <a:ext uri="{FF2B5EF4-FFF2-40B4-BE49-F238E27FC236}">
+                <a16:creationId xmlns:a16="http://schemas.microsoft.com/office/drawing/2014/main" id="{E4B59236-EAF7-CC81-156C-9524045ECCE4}"/>
+              </a:ext>
+            </a:extLst>
+          </p:cNvPr>
+          <p:cNvSpPr txBox="1">
+            <a:spLocks/>
+          </p:cNvSpPr>
+          <p:nvPr/>
+        </p:nvSpPr>
+        <p:spPr>
+          <a:xfrm>
+            <a:off x="222816" y="1690688"/>
+            <a:ext cx="3981049" cy="4351338"/>
+          </a:xfrm>
+          <a:prstGeom prst="rect">
+            <a:avLst/>
+          </a:prstGeom>
+        </p:spPr>
+        <p:txBody>
+          <a:bodyPr vert="horz" lIns="91440" tIns="45720" rIns="91440" bIns="45720" rtlCol="0">
+            <a:normAutofit/>
+          </a:bodyPr>
+          <a:lstStyle>
+            <a:lvl1pPr marL="228600" indent="-228600" algn="l" defTabSz="914400" rtl="0" eaLnBrk="1" latinLnBrk="0" hangingPunct="1">
+              <a:lnSpc>
+                <a:spcPct val="90000"/>
+              </a:lnSpc>
+              <a:spcBef>
+                <a:spcPts val="1000"/>
+              </a:spcBef>
+              <a:buFont typeface="Arial" panose="020B0604020202020204" pitchFamily="34" charset="0"/>
+              <a:buChar char="•"/>
+              <a:defRPr sz="2800" kern="1200">
+                <a:solidFill>
+                  <a:schemeClr val="tx1"/>
+                </a:solidFill>
+                <a:latin typeface="+mn-lt"/>
+                <a:ea typeface="+mn-ea"/>
+                <a:cs typeface="+mn-cs"/>
+              </a:defRPr>
+            </a:lvl1pPr>
+            <a:lvl2pPr marL="685800" indent="-228600" algn="l" defTabSz="914400" rtl="0" eaLnBrk="1" latinLnBrk="0" hangingPunct="1">
+              <a:lnSpc>
+                <a:spcPct val="90000"/>
+              </a:lnSpc>
+              <a:spcBef>
+                <a:spcPts val="500"/>
+              </a:spcBef>
+              <a:buFont typeface="Arial" panose="020B0604020202020204" pitchFamily="34" charset="0"/>
+              <a:buChar char="•"/>
+              <a:defRPr sz="2400" kern="1200">
+                <a:solidFill>
+                  <a:schemeClr val="tx1"/>
+                </a:solidFill>
+                <a:latin typeface="+mn-lt"/>
+                <a:ea typeface="+mn-ea"/>
+                <a:cs typeface="+mn-cs"/>
+              </a:defRPr>
+            </a:lvl2pPr>
+            <a:lvl3pPr marL="1143000" indent="-228600" algn="l" defTabSz="914400" rtl="0" eaLnBrk="1" latinLnBrk="0" hangingPunct="1">
+              <a:lnSpc>
+                <a:spcPct val="90000"/>
+              </a:lnSpc>
+              <a:spcBef>
+                <a:spcPts val="500"/>
+              </a:spcBef>
+              <a:buFont typeface="Arial" panose="020B0604020202020204" pitchFamily="34" charset="0"/>
+              <a:buChar char="•"/>
+              <a:defRPr sz="2000" kern="1200">
+                <a:solidFill>
+                  <a:schemeClr val="tx1"/>
+                </a:solidFill>
+                <a:latin typeface="+mn-lt"/>
+                <a:ea typeface="+mn-ea"/>
+                <a:cs typeface="+mn-cs"/>
+              </a:defRPr>
+            </a:lvl3pPr>
+            <a:lvl4pPr marL="1600200" indent="-228600" algn="l" defTabSz="914400" rtl="0" eaLnBrk="1" latinLnBrk="0" hangingPunct="1">
+              <a:lnSpc>
+                <a:spcPct val="90000"/>
+              </a:lnSpc>
+              <a:spcBef>
+                <a:spcPts val="500"/>
+              </a:spcBef>
+              <a:buFont typeface="Arial" panose="020B0604020202020204" pitchFamily="34" charset="0"/>
+              <a:buChar char="•"/>
+              <a:defRPr sz="1800" kern="1200">
+                <a:solidFill>
+                  <a:schemeClr val="tx1"/>
+                </a:solidFill>
+                <a:latin typeface="+mn-lt"/>
+                <a:ea typeface="+mn-ea"/>
+                <a:cs typeface="+mn-cs"/>
+              </a:defRPr>
+            </a:lvl4pPr>
+            <a:lvl5pPr marL="2057400" indent="-228600" algn="l" defTabSz="914400" rtl="0" eaLnBrk="1" latinLnBrk="0" hangingPunct="1">
+              <a:lnSpc>
+                <a:spcPct val="90000"/>
+              </a:lnSpc>
+              <a:spcBef>
+                <a:spcPts val="500"/>
+              </a:spcBef>
+              <a:buFont typeface="Arial" panose="020B0604020202020204" pitchFamily="34" charset="0"/>
+              <a:buChar char="•"/>
+              <a:defRPr sz="1800" kern="1200">
+                <a:solidFill>
+                  <a:schemeClr val="tx1"/>
+                </a:solidFill>
+                <a:latin typeface="+mn-lt"/>
+                <a:ea typeface="+mn-ea"/>
+                <a:cs typeface="+mn-cs"/>
+              </a:defRPr>
+            </a:lvl5pPr>
+            <a:lvl6pPr marL="2514600" indent="-228600" algn="l" defTabSz="914400" rtl="0" eaLnBrk="1" latinLnBrk="0" hangingPunct="1">
+              <a:lnSpc>
+                <a:spcPct val="90000"/>
+              </a:lnSpc>
+              <a:spcBef>
+                <a:spcPts val="500"/>
+              </a:spcBef>
+              <a:buFont typeface="Arial" panose="020B0604020202020204" pitchFamily="34" charset="0"/>
+              <a:buChar char="•"/>
+              <a:defRPr sz="1800" kern="1200">
+                <a:solidFill>
+                  <a:schemeClr val="tx1"/>
+                </a:solidFill>
+                <a:latin typeface="+mn-lt"/>
+                <a:ea typeface="+mn-ea"/>
+                <a:cs typeface="+mn-cs"/>
+              </a:defRPr>
+            </a:lvl6pPr>
+            <a:lvl7pPr marL="2971800" indent="-228600" algn="l" defTabSz="914400" rtl="0" eaLnBrk="1" latinLnBrk="0" hangingPunct="1">
+              <a:lnSpc>
+                <a:spcPct val="90000"/>
+              </a:lnSpc>
+              <a:spcBef>
+                <a:spcPts val="500"/>
+              </a:spcBef>
+              <a:buFont typeface="Arial" panose="020B0604020202020204" pitchFamily="34" charset="0"/>
+              <a:buChar char="•"/>
+              <a:defRPr sz="1800" kern="1200">
+                <a:solidFill>
+                  <a:schemeClr val="tx1"/>
+                </a:solidFill>
+                <a:latin typeface="+mn-lt"/>
+                <a:ea typeface="+mn-ea"/>
+                <a:cs typeface="+mn-cs"/>
+              </a:defRPr>
+            </a:lvl7pPr>
+            <a:lvl8pPr marL="3429000" indent="-228600" algn="l" defTabSz="914400" rtl="0" eaLnBrk="1" latinLnBrk="0" hangingPunct="1">
+              <a:lnSpc>
+                <a:spcPct val="90000"/>
+              </a:lnSpc>
+              <a:spcBef>
+                <a:spcPts val="500"/>
+              </a:spcBef>
+              <a:buFont typeface="Arial" panose="020B0604020202020204" pitchFamily="34" charset="0"/>
+              <a:buChar char="•"/>
+              <a:defRPr sz="1800" kern="1200">
+                <a:solidFill>
+                  <a:schemeClr val="tx1"/>
+                </a:solidFill>
+                <a:latin typeface="+mn-lt"/>
+                <a:ea typeface="+mn-ea"/>
+                <a:cs typeface="+mn-cs"/>
+              </a:defRPr>
+            </a:lvl8pPr>
+            <a:lvl9pPr marL="3886200" indent="-228600" algn="l" defTabSz="914400" rtl="0" eaLnBrk="1" latinLnBrk="0" hangingPunct="1">
+              <a:lnSpc>
+                <a:spcPct val="90000"/>
+              </a:lnSpc>
+              <a:spcBef>
+                <a:spcPts val="500"/>
+              </a:spcBef>
+              <a:buFont typeface="Arial" panose="020B0604020202020204" pitchFamily="34" charset="0"/>
+              <a:buChar char="•"/>
+              <a:defRPr sz="1800" kern="1200">
+                <a:solidFill>
+                  <a:schemeClr val="tx1"/>
+                </a:solidFill>
+                <a:latin typeface="+mn-lt"/>
+                <a:ea typeface="+mn-ea"/>
+                <a:cs typeface="+mn-cs"/>
+              </a:defRPr>
+            </a:lvl9pPr>
+          </a:lstStyle>
+          <a:p>
+            <a:r>
+              <a:rPr lang="en-US"/>
+              <a:t>by “small” scales</a:t>
+            </a:r>
+          </a:p>
+          <a:p>
+            <a:pPr lvl="1"/>
+            <a:r>
+              <a:rPr lang="en-US"/>
+              <a:t>we don’t care to bookkeep all their details</a:t>
+            </a:r>
+          </a:p>
+          <a:p>
+            <a:pPr lvl="1"/>
+            <a:r>
+              <a:rPr lang="en-US"/>
+              <a:t>but their </a:t>
+            </a:r>
+            <a:r>
+              <a:rPr lang="en-US" i="1"/>
+              <a:t>effect on larger scales </a:t>
+            </a:r>
+            <a:r>
+              <a:rPr lang="en-US"/>
+              <a:t>(which we care about) cannot be neglected</a:t>
+            </a:r>
+            <a:endParaRPr lang="en-US" i="1"/>
+          </a:p>
+          <a:p>
+            <a:endParaRPr lang="en-US"/>
+          </a:p>
+          <a:p>
+            <a:r>
+              <a:rPr lang="en-US"/>
+              <a:t>deviations from mean</a:t>
+            </a:r>
+          </a:p>
+          <a:p>
+            <a:r>
+              <a:rPr lang="en-US"/>
+              <a:t>“turbulence” </a:t>
+            </a:r>
+          </a:p>
+          <a:p>
+            <a:endParaRPr lang="en-US"/>
+          </a:p>
+          <a:p>
+            <a:endParaRPr lang="en-US"/>
+          </a:p>
+          <a:p>
+            <a:endParaRPr lang="en-US"/>
+          </a:p>
+        </p:txBody>
+      </p:sp>
+    </p:spTree>
+    <p:extLst>
+      <p:ext uri="{BB962C8B-B14F-4D97-AF65-F5344CB8AC3E}">
+        <p14:creationId xmlns:p14="http://schemas.microsoft.com/office/powerpoint/2010/main" val="32843031"/>
+      </p:ext>
+    </p:extLst>
+  </p:cSld>
+  <p:clrMapOvr>
+    <a:masterClrMapping/>
+  </p:clrMapOvr>
+</p:sld>
+</file>
+
+<file path=ppt/slides/slide3.xml><?xml version="1.0" encoding="utf-8"?>
+<p:sld xmlns:a="http://schemas.openxmlformats.org/drawingml/2006/main" xmlns:r="http://schemas.openxmlformats.org/officeDocument/2006/relationships" xmlns:p="http://schemas.openxmlformats.org/presentationml/2006/main">
+  <p:cSld>
+    <p:spTree>
+      <p:nvGrpSpPr>
+        <p:cNvPr id="1" name=""/>
+        <p:cNvGrpSpPr/>
+        <p:nvPr/>
+      </p:nvGrpSpPr>
+      <p:grpSpPr>
+        <a:xfrm>
+          <a:off x="0" y="0"/>
+          <a:ext cx="0" cy="0"/>
+          <a:chOff x="0" y="0"/>
+          <a:chExt cx="0" cy="0"/>
+        </a:xfrm>
+      </p:grpSpPr>
+      <p:sp>
+        <p:nvSpPr>
+          <p:cNvPr id="2" name="Title 1">
+            <a:extLst>
+              <a:ext uri="{FF2B5EF4-FFF2-40B4-BE49-F238E27FC236}">
                 <a16:creationId xmlns:a16="http://schemas.microsoft.com/office/drawing/2014/main" id="{5E66A749-B602-E890-9FA0-C11709D126DA}"/>
               </a:ext>
             </a:extLst>
@@ -3658,7 +3995,7 @@
 </p:sld>
 </file>
 
-<file path=ppt/slides/slide3.xml><?xml version="1.0" encoding="utf-8"?>
+<file path=ppt/slides/slide4.xml><?xml version="1.0" encoding="utf-8"?>
 <p:sld xmlns:a="http://schemas.openxmlformats.org/drawingml/2006/main" xmlns:r="http://schemas.openxmlformats.org/officeDocument/2006/relationships" xmlns:p="http://schemas.openxmlformats.org/presentationml/2006/main">
   <p:cSld>
     <p:spTree>
@@ -3768,7 +4105,7 @@
 </p:sld>
 </file>
 
-<file path=ppt/slides/slide4.xml><?xml version="1.0" encoding="utf-8"?>
+<file path=ppt/slides/slide5.xml><?xml version="1.0" encoding="utf-8"?>
 <p:sld xmlns:a="http://schemas.openxmlformats.org/drawingml/2006/main" xmlns:r="http://schemas.openxmlformats.org/officeDocument/2006/relationships" xmlns:p="http://schemas.openxmlformats.org/presentationml/2006/main">
   <p:cSld>
     <p:spTree>
@@ -4093,7 +4430,7 @@
 </p:sld>
 </file>
 
-<file path=ppt/slides/slide5.xml><?xml version="1.0" encoding="utf-8"?>
+<file path=ppt/slides/slide6.xml><?xml version="1.0" encoding="utf-8"?>
 <p:sld xmlns:a="http://schemas.openxmlformats.org/drawingml/2006/main" xmlns:r="http://schemas.openxmlformats.org/officeDocument/2006/relationships" xmlns:p="http://schemas.openxmlformats.org/presentationml/2006/main">
   <p:cSld>
     <p:bg>
@@ -4228,7 +4565,7 @@
 </p:sld>
 </file>
 
-<file path=ppt/slides/slide6.xml><?xml version="1.0" encoding="utf-8"?>
+<file path=ppt/slides/slide7.xml><?xml version="1.0" encoding="utf-8"?>
 <p:sld xmlns:a="http://schemas.openxmlformats.org/drawingml/2006/main" xmlns:r="http://schemas.openxmlformats.org/officeDocument/2006/relationships" xmlns:p="http://schemas.openxmlformats.org/presentationml/2006/main">
   <p:cSld>
     <p:spTree>
@@ -4402,6 +4739,343 @@
     <p:extLst>
       <p:ext uri="{BB962C8B-B14F-4D97-AF65-F5344CB8AC3E}">
         <p14:creationId xmlns:p14="http://schemas.microsoft.com/office/powerpoint/2010/main" val="959875141"/>
+      </p:ext>
+    </p:extLst>
+  </p:cSld>
+  <p:clrMapOvr>
+    <a:masterClrMapping/>
+  </p:clrMapOvr>
+</p:sld>
+</file>
+
+<file path=ppt/slides/slide8.xml><?xml version="1.0" encoding="utf-8"?>
+<p:sld xmlns:a="http://schemas.openxmlformats.org/drawingml/2006/main" xmlns:r="http://schemas.openxmlformats.org/officeDocument/2006/relationships" xmlns:p="http://schemas.openxmlformats.org/presentationml/2006/main">
+  <p:cSld>
+    <p:spTree>
+      <p:nvGrpSpPr>
+        <p:cNvPr id="1" name=""/>
+        <p:cNvGrpSpPr/>
+        <p:nvPr/>
+      </p:nvGrpSpPr>
+      <p:grpSpPr>
+        <a:xfrm>
+          <a:off x="0" y="0"/>
+          <a:ext cx="0" cy="0"/>
+          <a:chOff x="0" y="0"/>
+          <a:chExt cx="0" cy="0"/>
+        </a:xfrm>
+      </p:grpSpPr>
+      <p:sp>
+        <p:nvSpPr>
+          <p:cNvPr id="2" name="Title 1">
+            <a:extLst>
+              <a:ext uri="{FF2B5EF4-FFF2-40B4-BE49-F238E27FC236}">
+                <a16:creationId xmlns:a16="http://schemas.microsoft.com/office/drawing/2014/main" id="{55B7E153-B33C-C8D8-A1BA-3C0119383C03}"/>
+              </a:ext>
+            </a:extLst>
+          </p:cNvPr>
+          <p:cNvSpPr>
+            <a:spLocks noGrp="1"/>
+          </p:cNvSpPr>
+          <p:nvPr>
+            <p:ph type="title"/>
+          </p:nvPr>
+        </p:nvSpPr>
+        <p:spPr>
+          <a:xfrm>
+            <a:off x="838200" y="115034"/>
+            <a:ext cx="10515600" cy="1325563"/>
+          </a:xfrm>
+        </p:spPr>
+        <p:txBody>
+          <a:bodyPr>
+            <a:normAutofit/>
+          </a:bodyPr>
+          <a:lstStyle/>
+          <a:p>
+            <a:pPr algn="ctr"/>
+            <a:r>
+              <a:rPr lang="en-US" sz="4000"/>
+              <a:t>Treating eddy flux </a:t>
+            </a:r>
+            <a:r>
+              <a:rPr lang="en-US" sz="4000">
+                <a:solidFill>
+                  <a:srgbClr val="7030A0"/>
+                </a:solidFill>
+              </a:rPr>
+              <a:t>as a function of mean gradient</a:t>
+            </a:r>
+            <a:r>
+              <a:rPr lang="en-US" sz="4000"/>
+              <a:t>:</a:t>
+            </a:r>
+          </a:p>
+        </p:txBody>
+      </p:sp>
+      <p:sp>
+        <p:nvSpPr>
+          <p:cNvPr id="3" name="Content Placeholder 2">
+            <a:extLst>
+              <a:ext uri="{FF2B5EF4-FFF2-40B4-BE49-F238E27FC236}">
+                <a16:creationId xmlns:a16="http://schemas.microsoft.com/office/drawing/2014/main" id="{09B1ED94-D5A8-855A-18E3-D49CE227BA36}"/>
+              </a:ext>
+            </a:extLst>
+          </p:cNvPr>
+          <p:cNvSpPr>
+            <a:spLocks noGrp="1"/>
+          </p:cNvSpPr>
+          <p:nvPr>
+            <p:ph idx="1"/>
+          </p:nvPr>
+        </p:nvSpPr>
+        <p:spPr/>
+        <p:txBody>
+          <a:bodyPr/>
+          <a:lstStyle/>
+          <a:p>
+            <a:endParaRPr lang="en-US"/>
+          </a:p>
+        </p:txBody>
+      </p:sp>
+      <p:pic>
+        <p:nvPicPr>
+          <p:cNvPr id="4" name="Picture 3">
+            <a:extLst>
+              <a:ext uri="{FF2B5EF4-FFF2-40B4-BE49-F238E27FC236}">
+                <a16:creationId xmlns:a16="http://schemas.microsoft.com/office/drawing/2014/main" id="{F2512965-7676-78AD-BFA4-DF0E4BD3623B}"/>
+              </a:ext>
+            </a:extLst>
+          </p:cNvPr>
+          <p:cNvPicPr>
+            <a:picLocks noChangeAspect="1"/>
+          </p:cNvPicPr>
+          <p:nvPr/>
+        </p:nvPicPr>
+        <p:blipFill>
+          <a:blip r:embed="rId2"/>
+          <a:stretch>
+            <a:fillRect/>
+          </a:stretch>
+        </p:blipFill>
+        <p:spPr>
+          <a:xfrm>
+            <a:off x="2241138" y="1317980"/>
+            <a:ext cx="7377876" cy="2578492"/>
+          </a:xfrm>
+          <a:prstGeom prst="rect">
+            <a:avLst/>
+          </a:prstGeom>
+        </p:spPr>
+      </p:pic>
+      <p:pic>
+        <p:nvPicPr>
+          <p:cNvPr id="5" name="Picture 4">
+            <a:extLst>
+              <a:ext uri="{FF2B5EF4-FFF2-40B4-BE49-F238E27FC236}">
+                <a16:creationId xmlns:a16="http://schemas.microsoft.com/office/drawing/2014/main" id="{FD39406D-66D6-C025-B582-48A1AEC6A981}"/>
+              </a:ext>
+            </a:extLst>
+          </p:cNvPr>
+          <p:cNvPicPr>
+            <a:picLocks noChangeAspect="1"/>
+          </p:cNvPicPr>
+          <p:nvPr/>
+        </p:nvPicPr>
+        <p:blipFill>
+          <a:blip r:embed="rId3"/>
+          <a:stretch>
+            <a:fillRect/>
+          </a:stretch>
+        </p:blipFill>
+        <p:spPr>
+          <a:xfrm>
+            <a:off x="2241139" y="3896472"/>
+            <a:ext cx="7298704" cy="2846494"/>
+          </a:xfrm>
+          <a:prstGeom prst="rect">
+            <a:avLst/>
+          </a:prstGeom>
+        </p:spPr>
+      </p:pic>
+    </p:spTree>
+    <p:extLst>
+      <p:ext uri="{BB962C8B-B14F-4D97-AF65-F5344CB8AC3E}">
+        <p14:creationId xmlns:p14="http://schemas.microsoft.com/office/powerpoint/2010/main" val="2170165823"/>
+      </p:ext>
+    </p:extLst>
+  </p:cSld>
+  <p:clrMapOvr>
+    <a:masterClrMapping/>
+  </p:clrMapOvr>
+</p:sld>
+</file>
+
+<file path=ppt/slides/slide9.xml><?xml version="1.0" encoding="utf-8"?>
+<p:sld xmlns:a="http://schemas.openxmlformats.org/drawingml/2006/main" xmlns:r="http://schemas.openxmlformats.org/officeDocument/2006/relationships" xmlns:p="http://schemas.openxmlformats.org/presentationml/2006/main">
+  <p:cSld>
+    <p:spTree>
+      <p:nvGrpSpPr>
+        <p:cNvPr id="1" name=""/>
+        <p:cNvGrpSpPr/>
+        <p:nvPr/>
+      </p:nvGrpSpPr>
+      <p:grpSpPr>
+        <a:xfrm>
+          <a:off x="0" y="0"/>
+          <a:ext cx="0" cy="0"/>
+          <a:chOff x="0" y="0"/>
+          <a:chExt cx="0" cy="0"/>
+        </a:xfrm>
+      </p:grpSpPr>
+      <p:sp>
+        <p:nvSpPr>
+          <p:cNvPr id="2" name="Title 1">
+            <a:extLst>
+              <a:ext uri="{FF2B5EF4-FFF2-40B4-BE49-F238E27FC236}">
+                <a16:creationId xmlns:a16="http://schemas.microsoft.com/office/drawing/2014/main" id="{55B7E153-B33C-C8D8-A1BA-3C0119383C03}"/>
+              </a:ext>
+            </a:extLst>
+          </p:cNvPr>
+          <p:cNvSpPr>
+            <a:spLocks noGrp="1"/>
+          </p:cNvSpPr>
+          <p:nvPr>
+            <p:ph type="title"/>
+          </p:nvPr>
+        </p:nvSpPr>
+        <p:spPr>
+          <a:xfrm>
+            <a:off x="838200" y="115034"/>
+            <a:ext cx="10515600" cy="1325563"/>
+          </a:xfrm>
+        </p:spPr>
+        <p:txBody>
+          <a:bodyPr>
+            <a:normAutofit/>
+          </a:bodyPr>
+          <a:lstStyle/>
+          <a:p>
+            <a:pPr algn="ctr"/>
+            <a:r>
+              <a:rPr lang="en-US" sz="4000"/>
+              <a:t>Treating eddy flux </a:t>
+            </a:r>
+            <a:r>
+              <a:rPr lang="en-US" sz="4000">
+                <a:solidFill>
+                  <a:srgbClr val="7030A0"/>
+                </a:solidFill>
+              </a:rPr>
+              <a:t>as a function of mean gradient</a:t>
+            </a:r>
+            <a:r>
+              <a:rPr lang="en-US" sz="4000"/>
+              <a:t>:</a:t>
+            </a:r>
+          </a:p>
+        </p:txBody>
+      </p:sp>
+      <p:sp>
+        <p:nvSpPr>
+          <p:cNvPr id="3" name="Content Placeholder 2">
+            <a:extLst>
+              <a:ext uri="{FF2B5EF4-FFF2-40B4-BE49-F238E27FC236}">
+                <a16:creationId xmlns:a16="http://schemas.microsoft.com/office/drawing/2014/main" id="{09B1ED94-D5A8-855A-18E3-D49CE227BA36}"/>
+              </a:ext>
+            </a:extLst>
+          </p:cNvPr>
+          <p:cNvSpPr>
+            <a:spLocks noGrp="1"/>
+          </p:cNvSpPr>
+          <p:nvPr>
+            <p:ph idx="1"/>
+          </p:nvPr>
+        </p:nvSpPr>
+        <p:spPr>
+          <a:xfrm>
+            <a:off x="838200" y="1440597"/>
+            <a:ext cx="10515600" cy="4736366"/>
+          </a:xfrm>
+        </p:spPr>
+        <p:txBody>
+          <a:bodyPr/>
+          <a:lstStyle/>
+          <a:p>
+            <a:r>
+              <a:rPr lang="en-US"/>
+              <a:t>What determines K? </a:t>
+            </a:r>
+          </a:p>
+          <a:p>
+            <a:pPr marL="914400" lvl="1" indent="-457200">
+              <a:buFont typeface="+mj-lt"/>
+              <a:buAutoNum type="arabicPeriod"/>
+            </a:pPr>
+            <a:r>
+              <a:rPr lang="en-US"/>
+              <a:t>how strong is the small-scale w’? </a:t>
+            </a:r>
+          </a:p>
+          <a:p>
+            <a:pPr lvl="2"/>
+            <a:r>
+              <a:rPr lang="en-US"/>
+              <a:t>RMS(w’) or stdev(w’) or TKE (turbulent kinetic energy) </a:t>
+            </a:r>
+          </a:p>
+          <a:p>
+            <a:pPr marL="914400" lvl="1" indent="-457200">
+              <a:buFont typeface="+mj-lt"/>
+              <a:buAutoNum type="arabicPeriod"/>
+            </a:pPr>
+            <a:r>
+              <a:rPr lang="en-US"/>
+              <a:t>How far do those small-scale drafts go, exchanging air properties?</a:t>
+            </a:r>
+          </a:p>
+          <a:p>
+            <a:pPr lvl="2"/>
+            <a:r>
+              <a:rPr lang="en-US"/>
+              <a:t>a “mixing length” L </a:t>
+            </a:r>
+          </a:p>
+        </p:txBody>
+      </p:sp>
+      <p:pic>
+        <p:nvPicPr>
+          <p:cNvPr id="6" name="Picture 5">
+            <a:extLst>
+              <a:ext uri="{FF2B5EF4-FFF2-40B4-BE49-F238E27FC236}">
+                <a16:creationId xmlns:a16="http://schemas.microsoft.com/office/drawing/2014/main" id="{DFB84B09-B145-8558-400B-DC012943B8FA}"/>
+              </a:ext>
+            </a:extLst>
+          </p:cNvPr>
+          <p:cNvPicPr>
+            <a:picLocks noChangeAspect="1"/>
+          </p:cNvPicPr>
+          <p:nvPr/>
+        </p:nvPicPr>
+        <p:blipFill rotWithShape="1">
+          <a:blip r:embed="rId2"/>
+          <a:srcRect b="21525"/>
+          <a:stretch/>
+        </p:blipFill>
+        <p:spPr>
+          <a:xfrm>
+            <a:off x="2080408" y="3565273"/>
+            <a:ext cx="7781800" cy="3061159"/>
+          </a:xfrm>
+          <a:prstGeom prst="rect">
+            <a:avLst/>
+          </a:prstGeom>
+        </p:spPr>
+      </p:pic>
+    </p:spTree>
+    <p:extLst>
+      <p:ext uri="{BB962C8B-B14F-4D97-AF65-F5344CB8AC3E}">
+        <p14:creationId xmlns:p14="http://schemas.microsoft.com/office/powerpoint/2010/main" val="4047586288"/>
       </p:ext>
     </p:extLst>
   </p:cSld>
